--- a/speech_recognition/Speech_Recognition (Main Project).pptx
+++ b/speech_recognition/Speech_Recognition (Main Project).pptx
@@ -7,10 +7,16 @@
   <p:sldIdLst>
     <p:sldId id="256" r:id="rId2"/>
     <p:sldId id="260" r:id="rId3"/>
-    <p:sldId id="258" r:id="rId4"/>
-    <p:sldId id="259" r:id="rId5"/>
-    <p:sldId id="263" r:id="rId6"/>
-    <p:sldId id="264" r:id="rId7"/>
+    <p:sldId id="266" r:id="rId4"/>
+    <p:sldId id="271" r:id="rId5"/>
+    <p:sldId id="270" r:id="rId6"/>
+    <p:sldId id="267" r:id="rId7"/>
+    <p:sldId id="258" r:id="rId8"/>
+    <p:sldId id="268" r:id="rId9"/>
+    <p:sldId id="263" r:id="rId10"/>
+    <p:sldId id="269" r:id="rId11"/>
+    <p:sldId id="259" r:id="rId12"/>
+    <p:sldId id="264" r:id="rId13"/>
   </p:sldIdLst>
   <p:sldSz cx="12192000" cy="6858000"/>
   <p:notesSz cx="6858000" cy="9144000"/>
@@ -266,7 +272,7 @@
           <a:p>
             <a:fld id="{F4D57BDD-E64A-4D27-8978-82FFCA18A12C}" type="datetimeFigureOut">
               <a:rPr lang="en-US" smtClean="0"/>
-              <a:t>5/15/2022</a:t>
+              <a:t>5/26/2022</a:t>
             </a:fld>
             <a:endParaRPr lang="en-US"/>
           </a:p>
@@ -475,7 +481,7 @@
           <a:p>
             <a:fld id="{F4D57BDD-E64A-4D27-8978-82FFCA18A12C}" type="datetimeFigureOut">
               <a:rPr lang="en-US" smtClean="0"/>
-              <a:t>5/15/2022</a:t>
+              <a:t>5/26/2022</a:t>
             </a:fld>
             <a:endParaRPr lang="en-US"/>
           </a:p>
@@ -683,7 +689,7 @@
           <a:p>
             <a:fld id="{F4D57BDD-E64A-4D27-8978-82FFCA18A12C}" type="datetimeFigureOut">
               <a:rPr lang="en-US" smtClean="0"/>
-              <a:t>5/15/2022</a:t>
+              <a:t>5/26/2022</a:t>
             </a:fld>
             <a:endParaRPr lang="en-US"/>
           </a:p>
@@ -881,7 +887,7 @@
           <a:p>
             <a:fld id="{F4D57BDD-E64A-4D27-8978-82FFCA18A12C}" type="datetimeFigureOut">
               <a:rPr lang="en-US" smtClean="0"/>
-              <a:t>5/15/2022</a:t>
+              <a:t>5/26/2022</a:t>
             </a:fld>
             <a:endParaRPr lang="en-US"/>
           </a:p>
@@ -1157,7 +1163,7 @@
           <a:p>
             <a:fld id="{F4D57BDD-E64A-4D27-8978-82FFCA18A12C}" type="datetimeFigureOut">
               <a:rPr lang="en-US" smtClean="0"/>
-              <a:t>5/15/2022</a:t>
+              <a:t>5/26/2022</a:t>
             </a:fld>
             <a:endParaRPr lang="en-US"/>
           </a:p>
@@ -1429,7 +1435,7 @@
           <a:p>
             <a:fld id="{F4D57BDD-E64A-4D27-8978-82FFCA18A12C}" type="datetimeFigureOut">
               <a:rPr lang="en-US" smtClean="0"/>
-              <a:t>5/15/2022</a:t>
+              <a:t>5/26/2022</a:t>
             </a:fld>
             <a:endParaRPr lang="en-US"/>
           </a:p>
@@ -1843,7 +1849,7 @@
           <a:p>
             <a:fld id="{F4D57BDD-E64A-4D27-8978-82FFCA18A12C}" type="datetimeFigureOut">
               <a:rPr lang="en-US" smtClean="0"/>
-              <a:t>5/15/2022</a:t>
+              <a:t>5/26/2022</a:t>
             </a:fld>
             <a:endParaRPr lang="en-US"/>
           </a:p>
@@ -1990,7 +1996,7 @@
           <a:p>
             <a:fld id="{F4D57BDD-E64A-4D27-8978-82FFCA18A12C}" type="datetimeFigureOut">
               <a:rPr lang="en-US" smtClean="0"/>
-              <a:t>5/15/2022</a:t>
+              <a:t>5/26/2022</a:t>
             </a:fld>
             <a:endParaRPr lang="en-US"/>
           </a:p>
@@ -2103,7 +2109,7 @@
           <a:p>
             <a:fld id="{F4D57BDD-E64A-4D27-8978-82FFCA18A12C}" type="datetimeFigureOut">
               <a:rPr lang="en-US" smtClean="0"/>
-              <a:t>5/15/2022</a:t>
+              <a:t>5/26/2022</a:t>
             </a:fld>
             <a:endParaRPr lang="en-US"/>
           </a:p>
@@ -2415,7 +2421,7 @@
           <a:p>
             <a:fld id="{F4D57BDD-E64A-4D27-8978-82FFCA18A12C}" type="datetimeFigureOut">
               <a:rPr lang="en-US" smtClean="0"/>
-              <a:t>5/15/2022</a:t>
+              <a:t>5/26/2022</a:t>
             </a:fld>
             <a:endParaRPr lang="en-US"/>
           </a:p>
@@ -2706,7 +2712,7 @@
           <a:p>
             <a:fld id="{F4D57BDD-E64A-4D27-8978-82FFCA18A12C}" type="datetimeFigureOut">
               <a:rPr lang="en-US" smtClean="0"/>
-              <a:t>5/15/2022</a:t>
+              <a:t>5/26/2022</a:t>
             </a:fld>
             <a:endParaRPr lang="en-US"/>
           </a:p>
@@ -2948,7 +2954,7 @@
             <a:fld id="{F4D57BDD-E64A-4D27-8978-82FFCA18A12C}" type="datetimeFigureOut">
               <a:rPr lang="en-US" smtClean="0"/>
               <a:pPr/>
-              <a:t>5/15/2022</a:t>
+              <a:t>5/26/2022</a:t>
             </a:fld>
             <a:endParaRPr lang="en-US" dirty="0"/>
           </a:p>
@@ -3389,8 +3395,8 @@
         </p:nvSpPr>
         <p:spPr>
           <a:xfrm>
-            <a:off x="6031190" y="91656"/>
-            <a:ext cx="6096000" cy="2881311"/>
+            <a:off x="5564677" y="193929"/>
+            <a:ext cx="6096000" cy="953601"/>
           </a:xfrm>
         </p:spPr>
         <p:txBody>
@@ -3401,7 +3407,7 @@
           <a:p>
             <a:pPr algn="l"/>
             <a:r>
-              <a:rPr lang="en-US" sz="8000" dirty="0"/>
+              <a:rPr lang="en-US" sz="5400" dirty="0"/>
               <a:t>Pattern Recognition</a:t>
             </a:r>
           </a:p>
@@ -3425,8 +3431,8 @@
         </p:nvSpPr>
         <p:spPr>
           <a:xfrm>
-            <a:off x="6096000" y="2720437"/>
-            <a:ext cx="7331152" cy="3092306"/>
+            <a:off x="6096000" y="2461129"/>
+            <a:ext cx="4344537" cy="3092306"/>
           </a:xfrm>
         </p:spPr>
         <p:txBody>
@@ -3477,15 +3483,6 @@
                 <a:spcPts val="800"/>
               </a:spcAft>
             </a:pPr>
-            <a:r>
-              <a:rPr lang="en-US" sz="1800" b="1" dirty="0">
-                <a:effectLst/>
-                <a:latin typeface="Times New Roman" panose="02020603050405020304" pitchFamily="18" charset="0"/>
-                <a:ea typeface="Calibri" panose="020F0502020204030204" pitchFamily="34" charset="0"/>
-                <a:cs typeface="Arial" panose="020B0604020202020204" pitchFamily="34" charset="0"/>
-              </a:rPr>
-              <a:t> </a:t>
-            </a:r>
             <a:r>
               <a:rPr lang="en-US" sz="1800" dirty="0">
                 <a:effectLst/>
@@ -3552,25 +3549,7 @@
                 <a:ea typeface="Calibri" panose="020F0502020204030204" pitchFamily="34" charset="0"/>
                 <a:cs typeface="Arial" panose="020B0604020202020204" pitchFamily="34" charset="0"/>
               </a:rPr>
-              <a:t>Abdelrahman </a:t>
-            </a:r>
-            <a:r>
-              <a:rPr lang="en-US" sz="1800" dirty="0" err="1">
-                <a:effectLst/>
-                <a:latin typeface="Calibri" panose="020F0502020204030204" pitchFamily="34" charset="0"/>
-                <a:ea typeface="Calibri" panose="020F0502020204030204" pitchFamily="34" charset="0"/>
-                <a:cs typeface="Arial" panose="020B0604020202020204" pitchFamily="34" charset="0"/>
-              </a:rPr>
-              <a:t>Mostfa</a:t>
-            </a:r>
-            <a:r>
-              <a:rPr lang="en-US" sz="1800" dirty="0">
-                <a:effectLst/>
-                <a:latin typeface="Calibri" panose="020F0502020204030204" pitchFamily="34" charset="0"/>
-                <a:ea typeface="Calibri" panose="020F0502020204030204" pitchFamily="34" charset="0"/>
-                <a:cs typeface="Arial" panose="020B0604020202020204" pitchFamily="34" charset="0"/>
-              </a:rPr>
-              <a:t> Anwar </a:t>
+              <a:t>Abdelrahman Mostafa Anwar </a:t>
             </a:r>
           </a:p>
           <a:p>
@@ -3717,8 +3696,8 @@
         </p:nvSpPr>
         <p:spPr>
           <a:xfrm>
-            <a:off x="5171868" y="6213355"/>
-            <a:ext cx="6096000" cy="1625554"/>
+            <a:off x="6096000" y="6112820"/>
+            <a:ext cx="4516712" cy="618848"/>
           </a:xfrm>
           <a:prstGeom prst="rect">
             <a:avLst/>
@@ -3920,16 +3899,7 @@
                 <a:ea typeface="Calibri" panose="020F0502020204030204" pitchFamily="34" charset="0"/>
                 <a:cs typeface="Arial" panose="020B0604020202020204" pitchFamily="34" charset="0"/>
               </a:rPr>
-              <a:t>Dr/: Hafez Abd El </a:t>
-            </a:r>
-            <a:r>
-              <a:rPr lang="en-US" sz="1800" dirty="0" err="1">
-                <a:effectLst/>
-                <a:latin typeface="Arial" panose="020B0604020202020204" pitchFamily="34" charset="0"/>
-                <a:ea typeface="Calibri" panose="020F0502020204030204" pitchFamily="34" charset="0"/>
-                <a:cs typeface="Arial" panose="020B0604020202020204" pitchFamily="34" charset="0"/>
-              </a:rPr>
-              <a:t>Whab</a:t>
+              <a:t>Dr/: Hafez Abd El Wahab</a:t>
             </a:r>
             <a:endParaRPr lang="en-US" sz="1800" dirty="0">
               <a:effectLst/>
@@ -3976,10 +3946,600 @@
           </a:p>
         </p:txBody>
       </p:sp>
+      <p:sp>
+        <p:nvSpPr>
+          <p:cNvPr id="4" name="TextBox 3">
+            <a:extLst>
+              <a:ext uri="{FF2B5EF4-FFF2-40B4-BE49-F238E27FC236}">
+                <a16:creationId xmlns:a16="http://schemas.microsoft.com/office/drawing/2014/main" id="{62D2A361-96A6-723F-0983-80671C6B32C1}"/>
+              </a:ext>
+            </a:extLst>
+          </p:cNvPr>
+          <p:cNvSpPr txBox="1"/>
+          <p:nvPr/>
+        </p:nvSpPr>
+        <p:spPr>
+          <a:xfrm>
+            <a:off x="5626306" y="1639318"/>
+            <a:ext cx="6565694" cy="523220"/>
+          </a:xfrm>
+          <a:prstGeom prst="rect">
+            <a:avLst/>
+          </a:prstGeom>
+          <a:noFill/>
+        </p:spPr>
+        <p:txBody>
+          <a:bodyPr wrap="square" rtlCol="0">
+            <a:spAutoFit/>
+          </a:bodyPr>
+          <a:lstStyle/>
+          <a:p>
+            <a:r>
+              <a:rPr lang="en-US" sz="2800" b="1" dirty="0"/>
+              <a:t>Project title: Speech Recognition</a:t>
+            </a:r>
+          </a:p>
+        </p:txBody>
+      </p:sp>
     </p:spTree>
     <p:extLst>
       <p:ext uri="{BB962C8B-B14F-4D97-AF65-F5344CB8AC3E}">
         <p14:creationId xmlns:p14="http://schemas.microsoft.com/office/powerpoint/2010/main" val="3476203200"/>
+      </p:ext>
+    </p:extLst>
+  </p:cSld>
+  <p:clrMapOvr>
+    <a:masterClrMapping/>
+  </p:clrMapOvr>
+</p:sld>
+</file>
+
+<file path=ppt/slides/slide10.xml><?xml version="1.0" encoding="utf-8"?>
+<p:sld xmlns:a="http://schemas.openxmlformats.org/drawingml/2006/main" xmlns:r="http://schemas.openxmlformats.org/officeDocument/2006/relationships" xmlns:p="http://schemas.openxmlformats.org/presentationml/2006/main">
+  <p:cSld>
+    <p:spTree>
+      <p:nvGrpSpPr>
+        <p:cNvPr id="1" name=""/>
+        <p:cNvGrpSpPr/>
+        <p:nvPr/>
+      </p:nvGrpSpPr>
+      <p:grpSpPr>
+        <a:xfrm>
+          <a:off x="0" y="0"/>
+          <a:ext cx="0" cy="0"/>
+          <a:chOff x="0" y="0"/>
+          <a:chExt cx="0" cy="0"/>
+        </a:xfrm>
+      </p:grpSpPr>
+      <p:sp>
+        <p:nvSpPr>
+          <p:cNvPr id="2" name="Title 1">
+            <a:extLst>
+              <a:ext uri="{FF2B5EF4-FFF2-40B4-BE49-F238E27FC236}">
+                <a16:creationId xmlns:a16="http://schemas.microsoft.com/office/drawing/2014/main" id="{93B90667-4BEA-C215-5281-8C6830D7394F}"/>
+              </a:ext>
+            </a:extLst>
+          </p:cNvPr>
+          <p:cNvSpPr>
+            <a:spLocks noGrp="1"/>
+          </p:cNvSpPr>
+          <p:nvPr>
+            <p:ph type="title"/>
+          </p:nvPr>
+        </p:nvSpPr>
+        <p:spPr/>
+        <p:txBody>
+          <a:bodyPr/>
+          <a:lstStyle/>
+          <a:p>
+            <a:r>
+              <a:rPr lang="en-US" dirty="0"/>
+              <a:t>Audio Preprocessing</a:t>
+            </a:r>
+          </a:p>
+        </p:txBody>
+      </p:sp>
+      <p:sp>
+        <p:nvSpPr>
+          <p:cNvPr id="3" name="Content Placeholder 2">
+            <a:extLst>
+              <a:ext uri="{FF2B5EF4-FFF2-40B4-BE49-F238E27FC236}">
+                <a16:creationId xmlns:a16="http://schemas.microsoft.com/office/drawing/2014/main" id="{B48F15BE-8D70-B48B-AB7D-EFED4D8C0049}"/>
+              </a:ext>
+            </a:extLst>
+          </p:cNvPr>
+          <p:cNvSpPr>
+            <a:spLocks noGrp="1"/>
+          </p:cNvSpPr>
+          <p:nvPr>
+            <p:ph idx="1"/>
+          </p:nvPr>
+        </p:nvSpPr>
+        <p:spPr/>
+        <p:txBody>
+          <a:bodyPr/>
+          <a:lstStyle/>
+          <a:p>
+            <a:r>
+              <a:rPr lang="en-US" dirty="0"/>
+              <a:t>While passing the audio data if you get an error it is due to the wrong data type format for the audio file. To avoid this kind of situation preprocessing of audio data is a must there is a class especially for preprocessing the audio file which is called AudioFile.</a:t>
+            </a:r>
+          </a:p>
+        </p:txBody>
+      </p:sp>
+    </p:spTree>
+    <p:extLst>
+      <p:ext uri="{BB962C8B-B14F-4D97-AF65-F5344CB8AC3E}">
+        <p14:creationId xmlns:p14="http://schemas.microsoft.com/office/powerpoint/2010/main" val="1700596013"/>
+      </p:ext>
+    </p:extLst>
+  </p:cSld>
+  <p:clrMapOvr>
+    <a:masterClrMapping/>
+  </p:clrMapOvr>
+</p:sld>
+</file>
+
+<file path=ppt/slides/slide11.xml><?xml version="1.0" encoding="utf-8"?>
+<p:sld xmlns:a="http://schemas.openxmlformats.org/drawingml/2006/main" xmlns:r="http://schemas.openxmlformats.org/officeDocument/2006/relationships" xmlns:p="http://schemas.openxmlformats.org/presentationml/2006/main">
+  <p:cSld>
+    <p:spTree>
+      <p:nvGrpSpPr>
+        <p:cNvPr id="1" name=""/>
+        <p:cNvGrpSpPr/>
+        <p:nvPr/>
+      </p:nvGrpSpPr>
+      <p:grpSpPr>
+        <a:xfrm>
+          <a:off x="0" y="0"/>
+          <a:ext cx="0" cy="0"/>
+          <a:chOff x="0" y="0"/>
+          <a:chExt cx="0" cy="0"/>
+        </a:xfrm>
+      </p:grpSpPr>
+      <p:sp>
+        <p:nvSpPr>
+          <p:cNvPr id="2" name="Title 1">
+            <a:extLst>
+              <a:ext uri="{FF2B5EF4-FFF2-40B4-BE49-F238E27FC236}">
+                <a16:creationId xmlns:a16="http://schemas.microsoft.com/office/drawing/2014/main" id="{07D61273-1BD4-4734-A277-758EABA54359}"/>
+              </a:ext>
+            </a:extLst>
+          </p:cNvPr>
+          <p:cNvSpPr>
+            <a:spLocks noGrp="1"/>
+          </p:cNvSpPr>
+          <p:nvPr>
+            <p:ph type="title"/>
+          </p:nvPr>
+        </p:nvSpPr>
+        <p:spPr>
+          <a:xfrm>
+            <a:off x="183502" y="130175"/>
+            <a:ext cx="9144000" cy="1263649"/>
+          </a:xfrm>
+        </p:spPr>
+        <p:txBody>
+          <a:bodyPr>
+            <a:normAutofit fontScale="90000"/>
+          </a:bodyPr>
+          <a:lstStyle/>
+          <a:p>
+            <a:br>
+              <a:rPr lang="en-US" sz="4400" dirty="0">
+                <a:effectLst/>
+                <a:latin typeface="Calibri" panose="020F0502020204030204" pitchFamily="34" charset="0"/>
+                <a:ea typeface="Calibri" panose="020F0502020204030204" pitchFamily="34" charset="0"/>
+                <a:cs typeface="Arial" panose="020B0604020202020204" pitchFamily="34" charset="0"/>
+              </a:rPr>
+            </a:br>
+            <a:endParaRPr lang="en-US" dirty="0"/>
+          </a:p>
+        </p:txBody>
+      </p:sp>
+      <p:sp>
+        <p:nvSpPr>
+          <p:cNvPr id="7" name="TextBox 6">
+            <a:extLst>
+              <a:ext uri="{FF2B5EF4-FFF2-40B4-BE49-F238E27FC236}">
+                <a16:creationId xmlns:a16="http://schemas.microsoft.com/office/drawing/2014/main" id="{6A9EC19E-74EA-4D98-8C40-C05D19124D46}"/>
+              </a:ext>
+            </a:extLst>
+          </p:cNvPr>
+          <p:cNvSpPr txBox="1"/>
+          <p:nvPr/>
+        </p:nvSpPr>
+        <p:spPr>
+          <a:xfrm>
+            <a:off x="5346635" y="1209157"/>
+            <a:ext cx="3498980" cy="369332"/>
+          </a:xfrm>
+          <a:prstGeom prst="rect">
+            <a:avLst/>
+          </a:prstGeom>
+          <a:noFill/>
+        </p:spPr>
+        <p:txBody>
+          <a:bodyPr wrap="square" rtlCol="0">
+            <a:spAutoFit/>
+          </a:bodyPr>
+          <a:lstStyle/>
+          <a:p>
+            <a:r>
+              <a:rPr lang="en-US" dirty="0"/>
+              <a:t>ORIGNAL SIGNAL </a:t>
+            </a:r>
+          </a:p>
+        </p:txBody>
+      </p:sp>
+      <p:pic>
+        <p:nvPicPr>
+          <p:cNvPr id="5" name="Picture 4" descr="Chart&#10;&#10;Description automatically generated">
+            <a:extLst>
+              <a:ext uri="{FF2B5EF4-FFF2-40B4-BE49-F238E27FC236}">
+                <a16:creationId xmlns:a16="http://schemas.microsoft.com/office/drawing/2014/main" id="{CFC30221-98A3-47EB-A78F-C06A68A41A97}"/>
+              </a:ext>
+            </a:extLst>
+          </p:cNvPr>
+          <p:cNvPicPr>
+            <a:picLocks noChangeAspect="1"/>
+          </p:cNvPicPr>
+          <p:nvPr/>
+        </p:nvPicPr>
+        <p:blipFill>
+          <a:blip r:embed="rId4">
+            <a:extLst>
+              <a:ext uri="{28A0092B-C50C-407E-A947-70E740481C1C}">
+                <a14:useLocalDpi xmlns:a14="http://schemas.microsoft.com/office/drawing/2010/main" val="0"/>
+              </a:ext>
+            </a:extLst>
+          </a:blip>
+          <a:stretch>
+            <a:fillRect/>
+          </a:stretch>
+        </p:blipFill>
+        <p:spPr>
+          <a:xfrm>
+            <a:off x="0" y="1619206"/>
+            <a:ext cx="6096000" cy="4029637"/>
+          </a:xfrm>
+          <a:prstGeom prst="rect">
+            <a:avLst/>
+          </a:prstGeom>
+        </p:spPr>
+      </p:pic>
+      <p:pic>
+        <p:nvPicPr>
+          <p:cNvPr id="10" name="Picture 9" descr="Chart&#10;&#10;Description automatically generated">
+            <a:extLst>
+              <a:ext uri="{FF2B5EF4-FFF2-40B4-BE49-F238E27FC236}">
+                <a16:creationId xmlns:a16="http://schemas.microsoft.com/office/drawing/2014/main" id="{F2E9AB4D-3E91-4DC2-A342-460BA5C908AC}"/>
+              </a:ext>
+            </a:extLst>
+          </p:cNvPr>
+          <p:cNvPicPr>
+            <a:picLocks noChangeAspect="1"/>
+          </p:cNvPicPr>
+          <p:nvPr/>
+        </p:nvPicPr>
+        <p:blipFill>
+          <a:blip r:embed="rId5">
+            <a:extLst>
+              <a:ext uri="{28A0092B-C50C-407E-A947-70E740481C1C}">
+                <a14:useLocalDpi xmlns:a14="http://schemas.microsoft.com/office/drawing/2010/main" val="0"/>
+              </a:ext>
+            </a:extLst>
+          </a:blip>
+          <a:stretch>
+            <a:fillRect/>
+          </a:stretch>
+        </p:blipFill>
+        <p:spPr>
+          <a:xfrm>
+            <a:off x="6174604" y="1659923"/>
+            <a:ext cx="6017396" cy="3988920"/>
+          </a:xfrm>
+          <a:prstGeom prst="rect">
+            <a:avLst/>
+          </a:prstGeom>
+        </p:spPr>
+      </p:pic>
+      <p:pic>
+        <p:nvPicPr>
+          <p:cNvPr id="13" name="output">
+            <a:hlinkClick r:id="" action="ppaction://media"/>
+            <a:extLst>
+              <a:ext uri="{FF2B5EF4-FFF2-40B4-BE49-F238E27FC236}">
+                <a16:creationId xmlns:a16="http://schemas.microsoft.com/office/drawing/2014/main" id="{A97EC83A-A633-4773-9DB5-DB7113C4ED02}"/>
+              </a:ext>
+            </a:extLst>
+          </p:cNvPr>
+          <p:cNvPicPr>
+            <a:picLocks noChangeAspect="1"/>
+          </p:cNvPicPr>
+          <p:nvPr>
+            <a:audioFile r:link="rId2"/>
+            <p:extLst>
+              <p:ext uri="{DAA4B4D4-6D71-4841-9C94-3DE7FCFB9230}">
+                <p14:media xmlns:p14="http://schemas.microsoft.com/office/powerpoint/2010/main" r:embed="rId1"/>
+              </p:ext>
+            </p:extLst>
+          </p:nvPr>
+        </p:nvPicPr>
+        <p:blipFill>
+          <a:blip r:embed="rId6"/>
+          <a:stretch>
+            <a:fillRect/>
+          </a:stretch>
+        </p:blipFill>
+        <p:spPr>
+          <a:xfrm>
+            <a:off x="5852318" y="182303"/>
+            <a:ext cx="487363" cy="487363"/>
+          </a:xfrm>
+          <a:prstGeom prst="rect">
+            <a:avLst/>
+          </a:prstGeom>
+        </p:spPr>
+      </p:pic>
+    </p:spTree>
+    <p:extLst>
+      <p:ext uri="{BB962C8B-B14F-4D97-AF65-F5344CB8AC3E}">
+        <p14:creationId xmlns:p14="http://schemas.microsoft.com/office/powerpoint/2010/main" val="322640474"/>
+      </p:ext>
+    </p:extLst>
+  </p:cSld>
+  <p:clrMapOvr>
+    <a:masterClrMapping/>
+  </p:clrMapOvr>
+  <p:timing>
+    <p:tnLst>
+      <p:par>
+        <p:cTn id="1" dur="indefinite" restart="never" nodeType="tmRoot">
+          <p:childTnLst>
+            <p:seq concurrent="1" nextAc="seek">
+              <p:cTn id="2" dur="indefinite" nodeType="mainSeq">
+                <p:childTnLst>
+                  <p:par>
+                    <p:cTn id="3" fill="hold">
+                      <p:stCondLst>
+                        <p:cond delay="indefinite"/>
+                      </p:stCondLst>
+                      <p:childTnLst>
+                        <p:par>
+                          <p:cTn id="4" fill="hold">
+                            <p:stCondLst>
+                              <p:cond delay="0"/>
+                            </p:stCondLst>
+                            <p:childTnLst>
+                              <p:par>
+                                <p:cTn id="5" presetID="1" presetClass="mediacall" presetSubtype="0" fill="hold" nodeType="clickEffect">
+                                  <p:stCondLst>
+                                    <p:cond delay="0"/>
+                                  </p:stCondLst>
+                                  <p:childTnLst>
+                                    <p:cmd type="call" cmd="playFrom(0.0)">
+                                      <p:cBhvr>
+                                        <p:cTn id="6" dur="4992" fill="hold"/>
+                                        <p:tgtEl>
+                                          <p:spTgt spid="13"/>
+                                        </p:tgtEl>
+                                      </p:cBhvr>
+                                    </p:cmd>
+                                  </p:childTnLst>
+                                </p:cTn>
+                              </p:par>
+                            </p:childTnLst>
+                          </p:cTn>
+                        </p:par>
+                      </p:childTnLst>
+                    </p:cTn>
+                  </p:par>
+                </p:childTnLst>
+              </p:cTn>
+              <p:prevCondLst>
+                <p:cond evt="onPrev" delay="0">
+                  <p:tgtEl>
+                    <p:sldTgt/>
+                  </p:tgtEl>
+                </p:cond>
+              </p:prevCondLst>
+              <p:nextCondLst>
+                <p:cond evt="onNext" delay="0">
+                  <p:tgtEl>
+                    <p:sldTgt/>
+                  </p:tgtEl>
+                </p:cond>
+              </p:nextCondLst>
+            </p:seq>
+            <p:audio>
+              <p:cMediaNode vol="80000">
+                <p:cTn id="7" fill="hold" display="0">
+                  <p:stCondLst>
+                    <p:cond delay="indefinite"/>
+                  </p:stCondLst>
+                  <p:endCondLst>
+                    <p:cond evt="onStopAudio" delay="0">
+                      <p:tgtEl>
+                        <p:sldTgt/>
+                      </p:tgtEl>
+                    </p:cond>
+                  </p:endCondLst>
+                </p:cTn>
+                <p:tgtEl>
+                  <p:spTgt spid="13"/>
+                </p:tgtEl>
+              </p:cMediaNode>
+            </p:audio>
+          </p:childTnLst>
+        </p:cTn>
+      </p:par>
+    </p:tnLst>
+  </p:timing>
+</p:sld>
+</file>
+
+<file path=ppt/slides/slide12.xml><?xml version="1.0" encoding="utf-8"?>
+<p:sld xmlns:a="http://schemas.openxmlformats.org/drawingml/2006/main" xmlns:r="http://schemas.openxmlformats.org/officeDocument/2006/relationships" xmlns:p="http://schemas.openxmlformats.org/presentationml/2006/main">
+  <p:cSld>
+    <p:spTree>
+      <p:nvGrpSpPr>
+        <p:cNvPr id="1" name=""/>
+        <p:cNvGrpSpPr/>
+        <p:nvPr/>
+      </p:nvGrpSpPr>
+      <p:grpSpPr>
+        <a:xfrm>
+          <a:off x="0" y="0"/>
+          <a:ext cx="0" cy="0"/>
+          <a:chOff x="0" y="0"/>
+          <a:chExt cx="0" cy="0"/>
+        </a:xfrm>
+      </p:grpSpPr>
+      <p:sp>
+        <p:nvSpPr>
+          <p:cNvPr id="2" name="Title 1">
+            <a:extLst>
+              <a:ext uri="{FF2B5EF4-FFF2-40B4-BE49-F238E27FC236}">
+                <a16:creationId xmlns:a16="http://schemas.microsoft.com/office/drawing/2014/main" id="{347E1B86-E22F-431C-A913-C756F5E3A782}"/>
+              </a:ext>
+            </a:extLst>
+          </p:cNvPr>
+          <p:cNvSpPr>
+            <a:spLocks noGrp="1"/>
+          </p:cNvSpPr>
+          <p:nvPr>
+            <p:ph type="title"/>
+          </p:nvPr>
+        </p:nvSpPr>
+        <p:spPr>
+          <a:xfrm>
+            <a:off x="266700" y="130175"/>
+            <a:ext cx="9144000" cy="1263649"/>
+          </a:xfrm>
+        </p:spPr>
+        <p:txBody>
+          <a:bodyPr/>
+          <a:lstStyle/>
+          <a:p>
+            <a:r>
+              <a:rPr lang="en-US" dirty="0"/>
+              <a:t>Search in Browser </a:t>
+            </a:r>
+          </a:p>
+        </p:txBody>
+      </p:sp>
+      <p:pic>
+        <p:nvPicPr>
+          <p:cNvPr id="5" name="Content Placeholder 4" descr="A screenshot of a computer&#10;&#10;Description automatically generated with medium confidence">
+            <a:extLst>
+              <a:ext uri="{FF2B5EF4-FFF2-40B4-BE49-F238E27FC236}">
+                <a16:creationId xmlns:a16="http://schemas.microsoft.com/office/drawing/2014/main" id="{5EDAAB3F-9C4F-4FFB-8D45-5FB8FDA3FEF8}"/>
+              </a:ext>
+            </a:extLst>
+          </p:cNvPr>
+          <p:cNvPicPr>
+            <a:picLocks noGrp="1" noChangeAspect="1"/>
+          </p:cNvPicPr>
+          <p:nvPr>
+            <p:ph idx="1"/>
+          </p:nvPr>
+        </p:nvPicPr>
+        <p:blipFill>
+          <a:blip r:embed="rId2">
+            <a:extLst>
+              <a:ext uri="{28A0092B-C50C-407E-A947-70E740481C1C}">
+                <a14:useLocalDpi xmlns:a14="http://schemas.microsoft.com/office/drawing/2010/main" val="0"/>
+              </a:ext>
+            </a:extLst>
+          </a:blip>
+          <a:stretch>
+            <a:fillRect/>
+          </a:stretch>
+        </p:blipFill>
+        <p:spPr>
+          <a:xfrm>
+            <a:off x="98647" y="3679825"/>
+            <a:ext cx="6584505" cy="3048000"/>
+          </a:xfrm>
+        </p:spPr>
+      </p:pic>
+      <p:pic>
+        <p:nvPicPr>
+          <p:cNvPr id="7" name="Picture 6" descr="Graphical user interface, website&#10;&#10;Description automatically generated">
+            <a:extLst>
+              <a:ext uri="{FF2B5EF4-FFF2-40B4-BE49-F238E27FC236}">
+                <a16:creationId xmlns:a16="http://schemas.microsoft.com/office/drawing/2014/main" id="{9A9E35D3-BD5E-438D-972C-91456C546921}"/>
+              </a:ext>
+            </a:extLst>
+          </p:cNvPr>
+          <p:cNvPicPr>
+            <a:picLocks noChangeAspect="1"/>
+          </p:cNvPicPr>
+          <p:nvPr/>
+        </p:nvPicPr>
+        <p:blipFill>
+          <a:blip r:embed="rId3">
+            <a:extLst>
+              <a:ext uri="{28A0092B-C50C-407E-A947-70E740481C1C}">
+                <a14:useLocalDpi xmlns:a14="http://schemas.microsoft.com/office/drawing/2010/main" val="0"/>
+              </a:ext>
+            </a:extLst>
+          </a:blip>
+          <a:stretch>
+            <a:fillRect/>
+          </a:stretch>
+        </p:blipFill>
+        <p:spPr>
+          <a:xfrm>
+            <a:off x="6838950" y="3679825"/>
+            <a:ext cx="5353050" cy="3048000"/>
+          </a:xfrm>
+          <a:prstGeom prst="rect">
+            <a:avLst/>
+          </a:prstGeom>
+        </p:spPr>
+      </p:pic>
+      <p:pic>
+        <p:nvPicPr>
+          <p:cNvPr id="11" name="Picture 10" descr="Text&#10;&#10;Description automatically generated">
+            <a:extLst>
+              <a:ext uri="{FF2B5EF4-FFF2-40B4-BE49-F238E27FC236}">
+                <a16:creationId xmlns:a16="http://schemas.microsoft.com/office/drawing/2014/main" id="{225A2635-05B8-4BE7-89B8-726D71CC9B74}"/>
+              </a:ext>
+            </a:extLst>
+          </p:cNvPr>
+          <p:cNvPicPr>
+            <a:picLocks noChangeAspect="1"/>
+          </p:cNvPicPr>
+          <p:nvPr/>
+        </p:nvPicPr>
+        <p:blipFill>
+          <a:blip r:embed="rId4">
+            <a:extLst>
+              <a:ext uri="{28A0092B-C50C-407E-A947-70E740481C1C}">
+                <a14:useLocalDpi xmlns:a14="http://schemas.microsoft.com/office/drawing/2010/main" val="0"/>
+              </a:ext>
+            </a:extLst>
+          </a:blip>
+          <a:stretch>
+            <a:fillRect/>
+          </a:stretch>
+        </p:blipFill>
+        <p:spPr>
+          <a:xfrm>
+            <a:off x="2247345" y="847724"/>
+            <a:ext cx="7944959" cy="2738643"/>
+          </a:xfrm>
+          <a:prstGeom prst="rect">
+            <a:avLst/>
+          </a:prstGeom>
+        </p:spPr>
+      </p:pic>
+    </p:spTree>
+    <p:extLst>
+      <p:ext uri="{BB962C8B-B14F-4D97-AF65-F5344CB8AC3E}">
+        <p14:creationId xmlns:p14="http://schemas.microsoft.com/office/powerpoint/2010/main" val="3000506652"/>
       </p:ext>
     </p:extLst>
   </p:cSld>
@@ -4088,6 +4648,381 @@
 </file>
 
 <file path=ppt/slides/slide3.xml><?xml version="1.0" encoding="utf-8"?>
+<p:sld xmlns:a="http://schemas.openxmlformats.org/drawingml/2006/main" xmlns:r="http://schemas.openxmlformats.org/officeDocument/2006/relationships" xmlns:p="http://schemas.openxmlformats.org/presentationml/2006/main">
+  <p:cSld>
+    <p:spTree>
+      <p:nvGrpSpPr>
+        <p:cNvPr id="1" name=""/>
+        <p:cNvGrpSpPr/>
+        <p:nvPr/>
+      </p:nvGrpSpPr>
+      <p:grpSpPr>
+        <a:xfrm>
+          <a:off x="0" y="0"/>
+          <a:ext cx="0" cy="0"/>
+          <a:chOff x="0" y="0"/>
+          <a:chExt cx="0" cy="0"/>
+        </a:xfrm>
+      </p:grpSpPr>
+      <p:sp>
+        <p:nvSpPr>
+          <p:cNvPr id="2" name="Title 1">
+            <a:extLst>
+              <a:ext uri="{FF2B5EF4-FFF2-40B4-BE49-F238E27FC236}">
+                <a16:creationId xmlns:a16="http://schemas.microsoft.com/office/drawing/2014/main" id="{3F9942FC-F5F9-D03B-BFAA-AE7BE9979506}"/>
+              </a:ext>
+            </a:extLst>
+          </p:cNvPr>
+          <p:cNvSpPr>
+            <a:spLocks noGrp="1"/>
+          </p:cNvSpPr>
+          <p:nvPr>
+            <p:ph type="title"/>
+          </p:nvPr>
+        </p:nvSpPr>
+        <p:spPr/>
+        <p:txBody>
+          <a:bodyPr>
+            <a:normAutofit/>
+          </a:bodyPr>
+          <a:lstStyle/>
+          <a:p>
+            <a:r>
+              <a:rPr lang="en-US" dirty="0"/>
+              <a:t>Hidden Markov Model (HMM)</a:t>
+            </a:r>
+          </a:p>
+        </p:txBody>
+      </p:sp>
+      <p:sp>
+        <p:nvSpPr>
+          <p:cNvPr id="3" name="Content Placeholder 2">
+            <a:extLst>
+              <a:ext uri="{FF2B5EF4-FFF2-40B4-BE49-F238E27FC236}">
+                <a16:creationId xmlns:a16="http://schemas.microsoft.com/office/drawing/2014/main" id="{C17847D7-F101-B07F-908A-FC6188432B91}"/>
+              </a:ext>
+            </a:extLst>
+          </p:cNvPr>
+          <p:cNvSpPr>
+            <a:spLocks noGrp="1"/>
+          </p:cNvSpPr>
+          <p:nvPr>
+            <p:ph idx="1"/>
+          </p:nvPr>
+        </p:nvSpPr>
+        <p:spPr/>
+        <p:txBody>
+          <a:bodyPr>
+            <a:normAutofit/>
+          </a:bodyPr>
+          <a:lstStyle/>
+          <a:p>
+            <a:r>
+              <a:rPr lang="en-US" dirty="0"/>
+              <a:t>A Hidden Markov Model (HMM) is a statistical and probabilistic model which is also used in machine learning. It can be used to describe the evolution of observable events that depend on internal factors, which are not directly observable.</a:t>
+            </a:r>
+          </a:p>
+        </p:txBody>
+      </p:sp>
+    </p:spTree>
+    <p:extLst>
+      <p:ext uri="{BB962C8B-B14F-4D97-AF65-F5344CB8AC3E}">
+        <p14:creationId xmlns:p14="http://schemas.microsoft.com/office/powerpoint/2010/main" val="1948610194"/>
+      </p:ext>
+    </p:extLst>
+  </p:cSld>
+  <p:clrMapOvr>
+    <a:masterClrMapping/>
+  </p:clrMapOvr>
+</p:sld>
+</file>
+
+<file path=ppt/slides/slide4.xml><?xml version="1.0" encoding="utf-8"?>
+<p:sld xmlns:a="http://schemas.openxmlformats.org/drawingml/2006/main" xmlns:r="http://schemas.openxmlformats.org/officeDocument/2006/relationships" xmlns:p="http://schemas.openxmlformats.org/presentationml/2006/main">
+  <p:cSld>
+    <p:spTree>
+      <p:nvGrpSpPr>
+        <p:cNvPr id="1" name=""/>
+        <p:cNvGrpSpPr/>
+        <p:nvPr/>
+      </p:nvGrpSpPr>
+      <p:grpSpPr>
+        <a:xfrm>
+          <a:off x="0" y="0"/>
+          <a:ext cx="0" cy="0"/>
+          <a:chOff x="0" y="0"/>
+          <a:chExt cx="0" cy="0"/>
+        </a:xfrm>
+      </p:grpSpPr>
+      <p:sp>
+        <p:nvSpPr>
+          <p:cNvPr id="2" name="Title 1">
+            <a:extLst>
+              <a:ext uri="{FF2B5EF4-FFF2-40B4-BE49-F238E27FC236}">
+                <a16:creationId xmlns:a16="http://schemas.microsoft.com/office/drawing/2014/main" id="{C0BD0FD5-AA3F-9AFD-9C5B-73B6C40ADF0B}"/>
+              </a:ext>
+            </a:extLst>
+          </p:cNvPr>
+          <p:cNvSpPr>
+            <a:spLocks noGrp="1"/>
+          </p:cNvSpPr>
+          <p:nvPr>
+            <p:ph type="title"/>
+          </p:nvPr>
+        </p:nvSpPr>
+        <p:spPr/>
+        <p:txBody>
+          <a:bodyPr/>
+          <a:lstStyle/>
+          <a:p>
+            <a:r>
+              <a:rPr lang="en-US" dirty="0"/>
+              <a:t>Example</a:t>
+            </a:r>
+          </a:p>
+        </p:txBody>
+      </p:sp>
+      <p:pic>
+        <p:nvPicPr>
+          <p:cNvPr id="5" name="Content Placeholder 4">
+            <a:extLst>
+              <a:ext uri="{FF2B5EF4-FFF2-40B4-BE49-F238E27FC236}">
+                <a16:creationId xmlns:a16="http://schemas.microsoft.com/office/drawing/2014/main" id="{6B60AE3D-ADB1-8120-1677-D23AC1BF3908}"/>
+              </a:ext>
+            </a:extLst>
+          </p:cNvPr>
+          <p:cNvPicPr>
+            <a:picLocks noGrp="1" noChangeAspect="1"/>
+          </p:cNvPicPr>
+          <p:nvPr>
+            <p:ph idx="1"/>
+          </p:nvPr>
+        </p:nvPicPr>
+        <p:blipFill>
+          <a:blip r:embed="rId2">
+            <a:extLst>
+              <a:ext uri="{28A0092B-C50C-407E-A947-70E740481C1C}">
+                <a14:useLocalDpi xmlns:a14="http://schemas.microsoft.com/office/drawing/2010/main" val="0"/>
+              </a:ext>
+            </a:extLst>
+          </a:blip>
+          <a:stretch>
+            <a:fillRect/>
+          </a:stretch>
+        </p:blipFill>
+        <p:spPr>
+          <a:xfrm>
+            <a:off x="1583675" y="2387600"/>
+            <a:ext cx="7500650" cy="3810000"/>
+          </a:xfrm>
+        </p:spPr>
+      </p:pic>
+    </p:spTree>
+    <p:extLst>
+      <p:ext uri="{BB962C8B-B14F-4D97-AF65-F5344CB8AC3E}">
+        <p14:creationId xmlns:p14="http://schemas.microsoft.com/office/powerpoint/2010/main" val="1676477689"/>
+      </p:ext>
+    </p:extLst>
+  </p:cSld>
+  <p:clrMapOvr>
+    <a:masterClrMapping/>
+  </p:clrMapOvr>
+</p:sld>
+</file>
+
+<file path=ppt/slides/slide5.xml><?xml version="1.0" encoding="utf-8"?>
+<p:sld xmlns:a="http://schemas.openxmlformats.org/drawingml/2006/main" xmlns:r="http://schemas.openxmlformats.org/officeDocument/2006/relationships" xmlns:p="http://schemas.openxmlformats.org/presentationml/2006/main">
+  <p:cSld>
+    <p:spTree>
+      <p:nvGrpSpPr>
+        <p:cNvPr id="1" name=""/>
+        <p:cNvGrpSpPr/>
+        <p:nvPr/>
+      </p:nvGrpSpPr>
+      <p:grpSpPr>
+        <a:xfrm>
+          <a:off x="0" y="0"/>
+          <a:ext cx="0" cy="0"/>
+          <a:chOff x="0" y="0"/>
+          <a:chExt cx="0" cy="0"/>
+        </a:xfrm>
+      </p:grpSpPr>
+      <p:sp>
+        <p:nvSpPr>
+          <p:cNvPr id="2" name="Title 1">
+            <a:extLst>
+              <a:ext uri="{FF2B5EF4-FFF2-40B4-BE49-F238E27FC236}">
+                <a16:creationId xmlns:a16="http://schemas.microsoft.com/office/drawing/2014/main" id="{B1DEF10A-B82B-C095-1748-4D010DC194C2}"/>
+              </a:ext>
+            </a:extLst>
+          </p:cNvPr>
+          <p:cNvSpPr>
+            <a:spLocks noGrp="1"/>
+          </p:cNvSpPr>
+          <p:nvPr>
+            <p:ph type="title"/>
+          </p:nvPr>
+        </p:nvSpPr>
+        <p:spPr/>
+        <p:txBody>
+          <a:bodyPr/>
+          <a:lstStyle/>
+          <a:p>
+            <a:r>
+              <a:rPr lang="en-US" dirty="0"/>
+              <a:t>Layers of Hidden Markov Model (HMM)</a:t>
+            </a:r>
+          </a:p>
+        </p:txBody>
+      </p:sp>
+      <p:sp>
+        <p:nvSpPr>
+          <p:cNvPr id="3" name="Content Placeholder 2">
+            <a:extLst>
+              <a:ext uri="{FF2B5EF4-FFF2-40B4-BE49-F238E27FC236}">
+                <a16:creationId xmlns:a16="http://schemas.microsoft.com/office/drawing/2014/main" id="{6CDA846E-2AD2-1898-6FED-811169EA336E}"/>
+              </a:ext>
+            </a:extLst>
+          </p:cNvPr>
+          <p:cNvSpPr>
+            <a:spLocks noGrp="1"/>
+          </p:cNvSpPr>
+          <p:nvPr>
+            <p:ph idx="1"/>
+          </p:nvPr>
+        </p:nvSpPr>
+        <p:spPr>
+          <a:xfrm>
+            <a:off x="762000" y="2546351"/>
+            <a:ext cx="10668000" cy="3048001"/>
+          </a:xfrm>
+        </p:spPr>
+        <p:txBody>
+          <a:bodyPr/>
+          <a:lstStyle/>
+          <a:p>
+            <a:r>
+              <a:rPr lang="en-US" dirty="0"/>
+              <a:t>In the First Layer when I say any letter the model check that the letter is the right letter i said, the probability of the right letter is the higher one.</a:t>
+            </a:r>
+          </a:p>
+          <a:p>
+            <a:r>
+              <a:rPr lang="en-US" dirty="0"/>
+              <a:t>In the Second Layer we will be filtering the first layer to knowing what you said</a:t>
+            </a:r>
+          </a:p>
+          <a:p>
+            <a:r>
+              <a:rPr lang="en-US" dirty="0"/>
+              <a:t>In the Third Layer the model knowing the right based on the spectrogram. </a:t>
+            </a:r>
+          </a:p>
+          <a:p>
+            <a:endParaRPr lang="en-US" dirty="0"/>
+          </a:p>
+        </p:txBody>
+      </p:sp>
+    </p:spTree>
+    <p:extLst>
+      <p:ext uri="{BB962C8B-B14F-4D97-AF65-F5344CB8AC3E}">
+        <p14:creationId xmlns:p14="http://schemas.microsoft.com/office/powerpoint/2010/main" val="2517726265"/>
+      </p:ext>
+    </p:extLst>
+  </p:cSld>
+  <p:clrMapOvr>
+    <a:masterClrMapping/>
+  </p:clrMapOvr>
+</p:sld>
+</file>
+
+<file path=ppt/slides/slide6.xml><?xml version="1.0" encoding="utf-8"?>
+<p:sld xmlns:a="http://schemas.openxmlformats.org/drawingml/2006/main" xmlns:r="http://schemas.openxmlformats.org/officeDocument/2006/relationships" xmlns:p="http://schemas.openxmlformats.org/presentationml/2006/main">
+  <p:cSld>
+    <p:spTree>
+      <p:nvGrpSpPr>
+        <p:cNvPr id="1" name=""/>
+        <p:cNvGrpSpPr/>
+        <p:nvPr/>
+      </p:nvGrpSpPr>
+      <p:grpSpPr>
+        <a:xfrm>
+          <a:off x="0" y="0"/>
+          <a:ext cx="0" cy="0"/>
+          <a:chOff x="0" y="0"/>
+          <a:chExt cx="0" cy="0"/>
+        </a:xfrm>
+      </p:grpSpPr>
+      <p:sp>
+        <p:nvSpPr>
+          <p:cNvPr id="2" name="Title 1">
+            <a:extLst>
+              <a:ext uri="{FF2B5EF4-FFF2-40B4-BE49-F238E27FC236}">
+                <a16:creationId xmlns:a16="http://schemas.microsoft.com/office/drawing/2014/main" id="{14315E3F-6685-E741-0F53-8C932150AE04}"/>
+              </a:ext>
+            </a:extLst>
+          </p:cNvPr>
+          <p:cNvSpPr>
+            <a:spLocks noGrp="1"/>
+          </p:cNvSpPr>
+          <p:nvPr>
+            <p:ph type="title"/>
+          </p:nvPr>
+        </p:nvSpPr>
+        <p:spPr/>
+        <p:txBody>
+          <a:bodyPr/>
+          <a:lstStyle/>
+          <a:p>
+            <a:r>
+              <a:rPr lang="en-US" dirty="0"/>
+              <a:t>Recognizer Class</a:t>
+            </a:r>
+          </a:p>
+        </p:txBody>
+      </p:sp>
+      <p:sp>
+        <p:nvSpPr>
+          <p:cNvPr id="3" name="Content Placeholder 2">
+            <a:extLst>
+              <a:ext uri="{FF2B5EF4-FFF2-40B4-BE49-F238E27FC236}">
+                <a16:creationId xmlns:a16="http://schemas.microsoft.com/office/drawing/2014/main" id="{B8FDC34C-2640-9334-C08A-21088BF985E2}"/>
+              </a:ext>
+            </a:extLst>
+          </p:cNvPr>
+          <p:cNvSpPr>
+            <a:spLocks noGrp="1"/>
+          </p:cNvSpPr>
+          <p:nvPr>
+            <p:ph idx="1"/>
+          </p:nvPr>
+        </p:nvSpPr>
+        <p:spPr/>
+        <p:txBody>
+          <a:bodyPr/>
+          <a:lstStyle/>
+          <a:p>
+            <a:r>
+              <a:rPr lang="en-US" dirty="0"/>
+              <a:t>The SpeechRecognition library has several libraries, but we will only be focusing on the Recognizer class. The Recognizer class will help us to convert the audio data into text files.</a:t>
+            </a:r>
+          </a:p>
+        </p:txBody>
+      </p:sp>
+    </p:spTree>
+    <p:extLst>
+      <p:ext uri="{BB962C8B-B14F-4D97-AF65-F5344CB8AC3E}">
+        <p14:creationId xmlns:p14="http://schemas.microsoft.com/office/powerpoint/2010/main" val="700967902"/>
+      </p:ext>
+    </p:extLst>
+  </p:cSld>
+  <p:clrMapOvr>
+    <a:masterClrMapping/>
+  </p:clrMapOvr>
+</p:sld>
+</file>
+
+<file path=ppt/slides/slide7.xml><?xml version="1.0" encoding="utf-8"?>
 <p:sld xmlns:a="http://schemas.openxmlformats.org/drawingml/2006/main" xmlns:r="http://schemas.openxmlformats.org/officeDocument/2006/relationships" xmlns:p="http://schemas.openxmlformats.org/presentationml/2006/main">
   <p:cSld>
     <p:bg>
@@ -4206,8 +5141,8 @@
         </p:nvSpPr>
         <p:spPr>
           <a:xfrm>
-            <a:off x="835024" y="841377"/>
-            <a:ext cx="4745505" cy="1666499"/>
+            <a:off x="835024" y="1549400"/>
+            <a:ext cx="4745505" cy="958476"/>
           </a:xfrm>
         </p:spPr>
         <p:txBody>
@@ -4217,23 +5152,9 @@
           <a:lstStyle/>
           <a:p>
             <a:r>
-              <a:rPr lang="en-US" b="1">
-                <a:effectLst/>
-                <a:latin typeface="Gill Sans MT" panose="020B0502020104020203" pitchFamily="34" charset="0"/>
-                <a:ea typeface="Calibri" panose="020F0502020204030204" pitchFamily="34" charset="0"/>
-                <a:cs typeface="Sanskrit Text" panose="020B0502040204020203" pitchFamily="18" charset="0"/>
-              </a:rPr>
-              <a:t>Noise </a:t>
+              <a:rPr lang="en-US" dirty="0"/>
+              <a:t>Handling Noise</a:t>
             </a:r>
-            <a:r>
-              <a:rPr lang="en-US" b="1">
-                <a:latin typeface="Gill Sans MT" panose="020B0502020104020203" pitchFamily="34" charset="0"/>
-                <a:ea typeface="Calibri" panose="020F0502020204030204" pitchFamily="34" charset="0"/>
-                <a:cs typeface="Sanskrit Text" panose="020B0502040204020203" pitchFamily="18" charset="0"/>
-              </a:rPr>
-              <a:t>Adjust</a:t>
-            </a:r>
-            <a:endParaRPr lang="en-US" dirty="0"/>
           </a:p>
         </p:txBody>
       </p:sp>
@@ -13242,7 +14163,7 @@
 </p:sld>
 </file>
 
-<file path=ppt/slides/slide4.xml><?xml version="1.0" encoding="utf-8"?>
+<file path=ppt/slides/slide8.xml><?xml version="1.0" encoding="utf-8"?>
 <p:sld xmlns:a="http://schemas.openxmlformats.org/drawingml/2006/main" xmlns:r="http://schemas.openxmlformats.org/officeDocument/2006/relationships" xmlns:p="http://schemas.openxmlformats.org/presentationml/2006/main">
   <p:cSld>
     <p:spTree>
@@ -13264,7 +14185,7 @@
           <p:cNvPr id="2" name="Title 1">
             <a:extLst>
               <a:ext uri="{FF2B5EF4-FFF2-40B4-BE49-F238E27FC236}">
-                <a16:creationId xmlns:a16="http://schemas.microsoft.com/office/drawing/2014/main" id="{07D61273-1BD4-4734-A277-758EABA54359}"/>
+                <a16:creationId xmlns:a16="http://schemas.microsoft.com/office/drawing/2014/main" id="{700DC258-6AF0-ABBD-271F-41AA0B8C6E40}"/>
               </a:ext>
             </a:extLst>
           </p:cNvPr>
@@ -13275,273 +14196,73 @@
             <p:ph type="title"/>
           </p:nvPr>
         </p:nvSpPr>
-        <p:spPr>
-          <a:xfrm>
-            <a:off x="183502" y="130175"/>
-            <a:ext cx="9144000" cy="1263649"/>
-          </a:xfrm>
-        </p:spPr>
+        <p:spPr/>
         <p:txBody>
-          <a:bodyPr>
-            <a:normAutofit fontScale="90000"/>
-          </a:bodyPr>
+          <a:bodyPr/>
           <a:lstStyle/>
           <a:p>
-            <a:br>
-              <a:rPr lang="en-US" sz="4400" dirty="0">
-                <a:effectLst/>
-                <a:latin typeface="Calibri" panose="020F0502020204030204" pitchFamily="34" charset="0"/>
-                <a:ea typeface="Calibri" panose="020F0502020204030204" pitchFamily="34" charset="0"/>
-                <a:cs typeface="Arial" panose="020B0604020202020204" pitchFamily="34" charset="0"/>
-              </a:rPr>
-            </a:br>
-            <a:endParaRPr lang="en-US" dirty="0"/>
+            <a:r>
+              <a:rPr lang="en-US" dirty="0"/>
+              <a:t>recognize_google() (Voice Recognizer)</a:t>
+            </a:r>
           </a:p>
         </p:txBody>
       </p:sp>
       <p:sp>
         <p:nvSpPr>
-          <p:cNvPr id="7" name="TextBox 6">
+          <p:cNvPr id="3" name="Content Placeholder 2">
             <a:extLst>
               <a:ext uri="{FF2B5EF4-FFF2-40B4-BE49-F238E27FC236}">
-                <a16:creationId xmlns:a16="http://schemas.microsoft.com/office/drawing/2014/main" id="{6A9EC19E-74EA-4D98-8C40-C05D19124D46}"/>
+                <a16:creationId xmlns:a16="http://schemas.microsoft.com/office/drawing/2014/main" id="{0CB628A8-CFD5-2067-BDE5-617CCC55283A}"/>
               </a:ext>
             </a:extLst>
           </p:cNvPr>
-          <p:cNvSpPr txBox="1"/>
-          <p:nvPr/>
+          <p:cNvSpPr>
+            <a:spLocks noGrp="1"/>
+          </p:cNvSpPr>
+          <p:nvPr>
+            <p:ph idx="1"/>
+          </p:nvPr>
         </p:nvSpPr>
-        <p:spPr>
-          <a:xfrm>
-            <a:off x="5346635" y="1209157"/>
-            <a:ext cx="3498980" cy="369332"/>
-          </a:xfrm>
-          <a:prstGeom prst="rect">
-            <a:avLst/>
-          </a:prstGeom>
-          <a:noFill/>
-        </p:spPr>
+        <p:spPr/>
         <p:txBody>
-          <a:bodyPr wrap="square" rtlCol="0">
-            <a:spAutoFit/>
-          </a:bodyPr>
+          <a:bodyPr/>
           <a:lstStyle/>
           <a:p>
             <a:r>
               <a:rPr lang="en-US" dirty="0"/>
-              <a:t>ORIGNAL SIGNAL </a:t>
+              <a:t>we'll use the recognize_google() method on it to access the Google web speech API and turn spoken language into text.</a:t>
             </a:r>
+          </a:p>
+          <a:p>
+            <a:r>
+              <a:rPr lang="en-US" dirty="0"/>
+              <a:t>recognize_google() requires an argument audio_data otherwise it will return an error.</a:t>
+            </a:r>
+          </a:p>
+          <a:p>
+            <a:r>
+              <a:rPr lang="en-US" dirty="0"/>
+              <a:t>US English is the default language. If your speech or audio file isn't in US English, you can change the language with the language argument. A list of language codes can be seen here.</a:t>
+            </a:r>
+            <a:endParaRPr lang="en-US" b="1" dirty="0"/>
           </a:p>
         </p:txBody>
       </p:sp>
-      <p:pic>
-        <p:nvPicPr>
-          <p:cNvPr id="5" name="Picture 4" descr="Chart&#10;&#10;Description automatically generated">
-            <a:extLst>
-              <a:ext uri="{FF2B5EF4-FFF2-40B4-BE49-F238E27FC236}">
-                <a16:creationId xmlns:a16="http://schemas.microsoft.com/office/drawing/2014/main" id="{CFC30221-98A3-47EB-A78F-C06A68A41A97}"/>
-              </a:ext>
-            </a:extLst>
-          </p:cNvPr>
-          <p:cNvPicPr>
-            <a:picLocks noChangeAspect="1"/>
-          </p:cNvPicPr>
-          <p:nvPr/>
-        </p:nvPicPr>
-        <p:blipFill>
-          <a:blip r:embed="rId4">
-            <a:extLst>
-              <a:ext uri="{28A0092B-C50C-407E-A947-70E740481C1C}">
-                <a14:useLocalDpi xmlns:a14="http://schemas.microsoft.com/office/drawing/2010/main" val="0"/>
-              </a:ext>
-            </a:extLst>
-          </a:blip>
-          <a:stretch>
-            <a:fillRect/>
-          </a:stretch>
-        </p:blipFill>
-        <p:spPr>
-          <a:xfrm>
-            <a:off x="0" y="1619206"/>
-            <a:ext cx="6096000" cy="4029637"/>
-          </a:xfrm>
-          <a:prstGeom prst="rect">
-            <a:avLst/>
-          </a:prstGeom>
-        </p:spPr>
-      </p:pic>
-      <p:pic>
-        <p:nvPicPr>
-          <p:cNvPr id="10" name="Picture 9" descr="Chart&#10;&#10;Description automatically generated">
-            <a:extLst>
-              <a:ext uri="{FF2B5EF4-FFF2-40B4-BE49-F238E27FC236}">
-                <a16:creationId xmlns:a16="http://schemas.microsoft.com/office/drawing/2014/main" id="{F2E9AB4D-3E91-4DC2-A342-460BA5C908AC}"/>
-              </a:ext>
-            </a:extLst>
-          </p:cNvPr>
-          <p:cNvPicPr>
-            <a:picLocks noChangeAspect="1"/>
-          </p:cNvPicPr>
-          <p:nvPr/>
-        </p:nvPicPr>
-        <p:blipFill>
-          <a:blip r:embed="rId5">
-            <a:extLst>
-              <a:ext uri="{28A0092B-C50C-407E-A947-70E740481C1C}">
-                <a14:useLocalDpi xmlns:a14="http://schemas.microsoft.com/office/drawing/2010/main" val="0"/>
-              </a:ext>
-            </a:extLst>
-          </a:blip>
-          <a:stretch>
-            <a:fillRect/>
-          </a:stretch>
-        </p:blipFill>
-        <p:spPr>
-          <a:xfrm>
-            <a:off x="6174604" y="1659923"/>
-            <a:ext cx="6017396" cy="3988920"/>
-          </a:xfrm>
-          <a:prstGeom prst="rect">
-            <a:avLst/>
-          </a:prstGeom>
-        </p:spPr>
-      </p:pic>
-      <p:pic>
-        <p:nvPicPr>
-          <p:cNvPr id="13" name="output">
-            <a:hlinkClick r:id="" action="ppaction://media"/>
-            <a:extLst>
-              <a:ext uri="{FF2B5EF4-FFF2-40B4-BE49-F238E27FC236}">
-                <a16:creationId xmlns:a16="http://schemas.microsoft.com/office/drawing/2014/main" id="{A97EC83A-A633-4773-9DB5-DB7113C4ED02}"/>
-              </a:ext>
-            </a:extLst>
-          </p:cNvPr>
-          <p:cNvPicPr>
-            <a:picLocks noChangeAspect="1"/>
-          </p:cNvPicPr>
-          <p:nvPr>
-            <a:audioFile r:link="rId2"/>
-            <p:extLst>
-              <p:ext uri="{DAA4B4D4-6D71-4841-9C94-3DE7FCFB9230}">
-                <p14:media xmlns:p14="http://schemas.microsoft.com/office/powerpoint/2010/main" r:embed="rId1"/>
-              </p:ext>
-            </p:extLst>
-          </p:nvPr>
-        </p:nvPicPr>
-        <p:blipFill>
-          <a:blip r:embed="rId6"/>
-          <a:stretch>
-            <a:fillRect/>
-          </a:stretch>
-        </p:blipFill>
-        <p:spPr>
-          <a:xfrm>
-            <a:off x="5852318" y="182303"/>
-            <a:ext cx="487363" cy="487363"/>
-          </a:xfrm>
-          <a:prstGeom prst="rect">
-            <a:avLst/>
-          </a:prstGeom>
-        </p:spPr>
-      </p:pic>
     </p:spTree>
     <p:extLst>
       <p:ext uri="{BB962C8B-B14F-4D97-AF65-F5344CB8AC3E}">
-        <p14:creationId xmlns:p14="http://schemas.microsoft.com/office/powerpoint/2010/main" val="322640474"/>
+        <p14:creationId xmlns:p14="http://schemas.microsoft.com/office/powerpoint/2010/main" val="1304470489"/>
       </p:ext>
     </p:extLst>
   </p:cSld>
   <p:clrMapOvr>
     <a:masterClrMapping/>
   </p:clrMapOvr>
-  <p:timing>
-    <p:tnLst>
-      <p:par>
-        <p:cTn id="1" dur="indefinite" restart="never" nodeType="tmRoot">
-          <p:childTnLst>
-            <p:seq concurrent="1" nextAc="seek">
-              <p:cTn id="2" dur="indefinite" nodeType="mainSeq">
-                <p:childTnLst>
-                  <p:par>
-                    <p:cTn id="3" fill="hold">
-                      <p:stCondLst>
-                        <p:cond delay="indefinite"/>
-                      </p:stCondLst>
-                      <p:childTnLst>
-                        <p:par>
-                          <p:cTn id="4" fill="hold">
-                            <p:stCondLst>
-                              <p:cond delay="0"/>
-                            </p:stCondLst>
-                            <p:childTnLst>
-                              <p:par>
-                                <p:cTn id="5" presetID="1" presetClass="mediacall" presetSubtype="0" fill="hold" nodeType="clickEffect">
-                                  <p:stCondLst>
-                                    <p:cond delay="0"/>
-                                  </p:stCondLst>
-                                  <p:childTnLst>
-                                    <p:cmd type="call" cmd="playFrom(0.0)">
-                                      <p:cBhvr>
-                                        <p:cTn id="6" dur="4992" fill="hold"/>
-                                        <p:tgtEl>
-                                          <p:spTgt spid="13"/>
-                                        </p:tgtEl>
-                                      </p:cBhvr>
-                                    </p:cmd>
-                                  </p:childTnLst>
-                                </p:cTn>
-                              </p:par>
-                            </p:childTnLst>
-                          </p:cTn>
-                        </p:par>
-                      </p:childTnLst>
-                    </p:cTn>
-                  </p:par>
-                </p:childTnLst>
-              </p:cTn>
-              <p:prevCondLst>
-                <p:cond evt="onPrev" delay="0">
-                  <p:tgtEl>
-                    <p:sldTgt/>
-                  </p:tgtEl>
-                </p:cond>
-              </p:prevCondLst>
-              <p:nextCondLst>
-                <p:cond evt="onNext" delay="0">
-                  <p:tgtEl>
-                    <p:sldTgt/>
-                  </p:tgtEl>
-                </p:cond>
-              </p:nextCondLst>
-            </p:seq>
-            <p:audio>
-              <p:cMediaNode vol="80000">
-                <p:cTn id="7" fill="hold" display="0">
-                  <p:stCondLst>
-                    <p:cond delay="indefinite"/>
-                  </p:stCondLst>
-                  <p:endCondLst>
-                    <p:cond evt="onStopAudio" delay="0">
-                      <p:tgtEl>
-                        <p:sldTgt/>
-                      </p:tgtEl>
-                    </p:cond>
-                  </p:endCondLst>
-                </p:cTn>
-                <p:tgtEl>
-                  <p:spTgt spid="13"/>
-                </p:tgtEl>
-              </p:cMediaNode>
-            </p:audio>
-          </p:childTnLst>
-        </p:cTn>
-      </p:par>
-    </p:tnLst>
-  </p:timing>
 </p:sld>
 </file>
 
-<file path=ppt/slides/slide5.xml><?xml version="1.0" encoding="utf-8"?>
+<file path=ppt/slides/slide9.xml><?xml version="1.0" encoding="utf-8"?>
 <p:sld xmlns:a="http://schemas.openxmlformats.org/drawingml/2006/main" xmlns:r="http://schemas.openxmlformats.org/officeDocument/2006/relationships" xmlns:p="http://schemas.openxmlformats.org/presentationml/2006/main">
   <p:cSld>
     <p:spTree>
@@ -13850,176 +14571,6 @@
 </p:sld>
 </file>
 
-<file path=ppt/slides/slide6.xml><?xml version="1.0" encoding="utf-8"?>
-<p:sld xmlns:a="http://schemas.openxmlformats.org/drawingml/2006/main" xmlns:r="http://schemas.openxmlformats.org/officeDocument/2006/relationships" xmlns:p="http://schemas.openxmlformats.org/presentationml/2006/main">
-  <p:cSld>
-    <p:spTree>
-      <p:nvGrpSpPr>
-        <p:cNvPr id="1" name=""/>
-        <p:cNvGrpSpPr/>
-        <p:nvPr/>
-      </p:nvGrpSpPr>
-      <p:grpSpPr>
-        <a:xfrm>
-          <a:off x="0" y="0"/>
-          <a:ext cx="0" cy="0"/>
-          <a:chOff x="0" y="0"/>
-          <a:chExt cx="0" cy="0"/>
-        </a:xfrm>
-      </p:grpSpPr>
-      <p:sp>
-        <p:nvSpPr>
-          <p:cNvPr id="2" name="Title 1">
-            <a:extLst>
-              <a:ext uri="{FF2B5EF4-FFF2-40B4-BE49-F238E27FC236}">
-                <a16:creationId xmlns:a16="http://schemas.microsoft.com/office/drawing/2014/main" id="{347E1B86-E22F-431C-A913-C756F5E3A782}"/>
-              </a:ext>
-            </a:extLst>
-          </p:cNvPr>
-          <p:cNvSpPr>
-            <a:spLocks noGrp="1"/>
-          </p:cNvSpPr>
-          <p:nvPr>
-            <p:ph type="title"/>
-          </p:nvPr>
-        </p:nvSpPr>
-        <p:spPr>
-          <a:xfrm>
-            <a:off x="266700" y="130175"/>
-            <a:ext cx="9144000" cy="1263649"/>
-          </a:xfrm>
-        </p:spPr>
-        <p:txBody>
-          <a:bodyPr/>
-          <a:lstStyle/>
-          <a:p>
-            <a:r>
-              <a:rPr lang="en-US" dirty="0"/>
-              <a:t>Search in Browser </a:t>
-            </a:r>
-          </a:p>
-        </p:txBody>
-      </p:sp>
-      <p:pic>
-        <p:nvPicPr>
-          <p:cNvPr id="5" name="Content Placeholder 4" descr="A screenshot of a computer&#10;&#10;Description automatically generated with medium confidence">
-            <a:extLst>
-              <a:ext uri="{FF2B5EF4-FFF2-40B4-BE49-F238E27FC236}">
-                <a16:creationId xmlns:a16="http://schemas.microsoft.com/office/drawing/2014/main" id="{5EDAAB3F-9C4F-4FFB-8D45-5FB8FDA3FEF8}"/>
-              </a:ext>
-            </a:extLst>
-          </p:cNvPr>
-          <p:cNvPicPr>
-            <a:picLocks noGrp="1" noChangeAspect="1"/>
-          </p:cNvPicPr>
-          <p:nvPr>
-            <p:ph idx="1"/>
-          </p:nvPr>
-        </p:nvPicPr>
-        <p:blipFill>
-          <a:blip r:embed="rId2">
-            <a:extLst>
-              <a:ext uri="{28A0092B-C50C-407E-A947-70E740481C1C}">
-                <a14:useLocalDpi xmlns:a14="http://schemas.microsoft.com/office/drawing/2010/main" val="0"/>
-              </a:ext>
-            </a:extLst>
-          </a:blip>
-          <a:stretch>
-            <a:fillRect/>
-          </a:stretch>
-        </p:blipFill>
-        <p:spPr>
-          <a:xfrm>
-            <a:off x="98647" y="3679825"/>
-            <a:ext cx="6584505" cy="3048000"/>
-          </a:xfrm>
-        </p:spPr>
-      </p:pic>
-      <p:pic>
-        <p:nvPicPr>
-          <p:cNvPr id="7" name="Picture 6" descr="Graphical user interface, website&#10;&#10;Description automatically generated">
-            <a:extLst>
-              <a:ext uri="{FF2B5EF4-FFF2-40B4-BE49-F238E27FC236}">
-                <a16:creationId xmlns:a16="http://schemas.microsoft.com/office/drawing/2014/main" id="{9A9E35D3-BD5E-438D-972C-91456C546921}"/>
-              </a:ext>
-            </a:extLst>
-          </p:cNvPr>
-          <p:cNvPicPr>
-            <a:picLocks noChangeAspect="1"/>
-          </p:cNvPicPr>
-          <p:nvPr/>
-        </p:nvPicPr>
-        <p:blipFill>
-          <a:blip r:embed="rId3">
-            <a:extLst>
-              <a:ext uri="{28A0092B-C50C-407E-A947-70E740481C1C}">
-                <a14:useLocalDpi xmlns:a14="http://schemas.microsoft.com/office/drawing/2010/main" val="0"/>
-              </a:ext>
-            </a:extLst>
-          </a:blip>
-          <a:stretch>
-            <a:fillRect/>
-          </a:stretch>
-        </p:blipFill>
-        <p:spPr>
-          <a:xfrm>
-            <a:off x="6838950" y="3679825"/>
-            <a:ext cx="5353050" cy="3048000"/>
-          </a:xfrm>
-          <a:prstGeom prst="rect">
-            <a:avLst/>
-          </a:prstGeom>
-        </p:spPr>
-      </p:pic>
-      <p:pic>
-        <p:nvPicPr>
-          <p:cNvPr id="11" name="Picture 10" descr="Text&#10;&#10;Description automatically generated">
-            <a:extLst>
-              <a:ext uri="{FF2B5EF4-FFF2-40B4-BE49-F238E27FC236}">
-                <a16:creationId xmlns:a16="http://schemas.microsoft.com/office/drawing/2014/main" id="{225A2635-05B8-4BE7-89B8-726D71CC9B74}"/>
-              </a:ext>
-            </a:extLst>
-          </p:cNvPr>
-          <p:cNvPicPr>
-            <a:picLocks noChangeAspect="1"/>
-          </p:cNvPicPr>
-          <p:nvPr/>
-        </p:nvPicPr>
-        <p:blipFill>
-          <a:blip r:embed="rId4">
-            <a:extLst>
-              <a:ext uri="{28A0092B-C50C-407E-A947-70E740481C1C}">
-                <a14:useLocalDpi xmlns:a14="http://schemas.microsoft.com/office/drawing/2010/main" val="0"/>
-              </a:ext>
-            </a:extLst>
-          </a:blip>
-          <a:stretch>
-            <a:fillRect/>
-          </a:stretch>
-        </p:blipFill>
-        <p:spPr>
-          <a:xfrm>
-            <a:off x="2247345" y="847724"/>
-            <a:ext cx="7944959" cy="2738643"/>
-          </a:xfrm>
-          <a:prstGeom prst="rect">
-            <a:avLst/>
-          </a:prstGeom>
-        </p:spPr>
-      </p:pic>
-    </p:spTree>
-    <p:extLst>
-      <p:ext uri="{BB962C8B-B14F-4D97-AF65-F5344CB8AC3E}">
-        <p14:creationId xmlns:p14="http://schemas.microsoft.com/office/powerpoint/2010/main" val="3000506652"/>
-      </p:ext>
-    </p:extLst>
-  </p:cSld>
-  <p:clrMapOvr>
-    <a:masterClrMapping/>
-  </p:clrMapOvr>
-</p:sld>
-</file>
-
 <file path=ppt/theme/theme1.xml><?xml version="1.0" encoding="utf-8"?>
 <a:theme xmlns:a="http://schemas.openxmlformats.org/drawingml/2006/main" name="TornVTI">
   <a:themeElements>
